--- a/BU_MolBio_RNAseq_in_GP_workshop/slides/2019-04-04_07_GPWorkshop_Closing.pptx
+++ b/BU_MolBio_RNAseq_in_GP_workshop/slides/2019-04-04_07_GPWorkshop_Closing.pptx
@@ -213,7 +213,7 @@
           <a:p>
             <a:fld id="{CB8DDA02-F0B5-43F3-A05C-22F18A98662D}" type="datetimeFigureOut">
               <a:rPr lang="en-US" smtClean="0"/>
-              <a:t>4/26/2018</a:t>
+              <a:t>4/1/2019</a:t>
             </a:fld>
             <a:endParaRPr lang="en-US"/>
           </a:p>
@@ -781,7 +781,7 @@
           <a:p>
             <a:fld id="{E3D7C9BC-8C13-4201-8978-5F07EB83666A}" type="datetimeFigureOut">
               <a:rPr lang="en-US" smtClean="0"/>
-              <a:t>4/26/2018</a:t>
+              <a:t>4/1/2019</a:t>
             </a:fld>
             <a:endParaRPr lang="en-US"/>
           </a:p>
@@ -951,7 +951,7 @@
           <a:p>
             <a:fld id="{E3D7C9BC-8C13-4201-8978-5F07EB83666A}" type="datetimeFigureOut">
               <a:rPr lang="en-US" smtClean="0"/>
-              <a:t>4/26/2018</a:t>
+              <a:t>4/1/2019</a:t>
             </a:fld>
             <a:endParaRPr lang="en-US"/>
           </a:p>
@@ -1131,7 +1131,7 @@
           <a:p>
             <a:fld id="{E3D7C9BC-8C13-4201-8978-5F07EB83666A}" type="datetimeFigureOut">
               <a:rPr lang="en-US" smtClean="0"/>
-              <a:t>4/26/2018</a:t>
+              <a:t>4/1/2019</a:t>
             </a:fld>
             <a:endParaRPr lang="en-US"/>
           </a:p>
@@ -1779,7 +1779,7 @@
           <a:p>
             <a:fld id="{E3D7C9BC-8C13-4201-8978-5F07EB83666A}" type="datetimeFigureOut">
               <a:rPr lang="en-US" smtClean="0"/>
-              <a:t>4/26/2018</a:t>
+              <a:t>4/1/2019</a:t>
             </a:fld>
             <a:endParaRPr lang="en-US"/>
           </a:p>
@@ -2025,7 +2025,7 @@
           <a:p>
             <a:fld id="{E3D7C9BC-8C13-4201-8978-5F07EB83666A}" type="datetimeFigureOut">
               <a:rPr lang="en-US" smtClean="0"/>
-              <a:t>4/26/2018</a:t>
+              <a:t>4/1/2019</a:t>
             </a:fld>
             <a:endParaRPr lang="en-US"/>
           </a:p>
@@ -2313,7 +2313,7 @@
           <a:p>
             <a:fld id="{E3D7C9BC-8C13-4201-8978-5F07EB83666A}" type="datetimeFigureOut">
               <a:rPr lang="en-US" smtClean="0"/>
-              <a:t>4/26/2018</a:t>
+              <a:t>4/1/2019</a:t>
             </a:fld>
             <a:endParaRPr lang="en-US"/>
           </a:p>
@@ -2735,7 +2735,7 @@
           <a:p>
             <a:fld id="{E3D7C9BC-8C13-4201-8978-5F07EB83666A}" type="datetimeFigureOut">
               <a:rPr lang="en-US" smtClean="0"/>
-              <a:t>4/26/2018</a:t>
+              <a:t>4/1/2019</a:t>
             </a:fld>
             <a:endParaRPr lang="en-US"/>
           </a:p>
@@ -2853,7 +2853,7 @@
           <a:p>
             <a:fld id="{E3D7C9BC-8C13-4201-8978-5F07EB83666A}" type="datetimeFigureOut">
               <a:rPr lang="en-US" smtClean="0"/>
-              <a:t>4/26/2018</a:t>
+              <a:t>4/1/2019</a:t>
             </a:fld>
             <a:endParaRPr lang="en-US"/>
           </a:p>
@@ -2948,7 +2948,7 @@
           <a:p>
             <a:fld id="{E3D7C9BC-8C13-4201-8978-5F07EB83666A}" type="datetimeFigureOut">
               <a:rPr lang="en-US" smtClean="0"/>
-              <a:t>4/26/2018</a:t>
+              <a:t>4/1/2019</a:t>
             </a:fld>
             <a:endParaRPr lang="en-US"/>
           </a:p>
@@ -3225,7 +3225,7 @@
           <a:p>
             <a:fld id="{E3D7C9BC-8C13-4201-8978-5F07EB83666A}" type="datetimeFigureOut">
               <a:rPr lang="en-US" smtClean="0"/>
-              <a:t>4/26/2018</a:t>
+              <a:t>4/1/2019</a:t>
             </a:fld>
             <a:endParaRPr lang="en-US"/>
           </a:p>
@@ -3478,7 +3478,7 @@
           <a:p>
             <a:fld id="{E3D7C9BC-8C13-4201-8978-5F07EB83666A}" type="datetimeFigureOut">
               <a:rPr lang="en-US" smtClean="0"/>
-              <a:t>4/26/2018</a:t>
+              <a:t>4/1/2019</a:t>
             </a:fld>
             <a:endParaRPr lang="en-US"/>
           </a:p>
@@ -3691,7 +3691,7 @@
           <a:p>
             <a:fld id="{E3D7C9BC-8C13-4201-8978-5F07EB83666A}" type="datetimeFigureOut">
               <a:rPr lang="en-US" smtClean="0"/>
-              <a:t>4/26/2018</a:t>
+              <a:t>4/1/2019</a:t>
             </a:fld>
             <a:endParaRPr lang="en-US"/>
           </a:p>
@@ -4440,10 +4440,16 @@
           </a:p>
           <a:p>
             <a:r>
+              <a:rPr lang="en-US" dirty="0">
+                <a:hlinkClick r:id="rId7"/>
+              </a:rPr>
+              <a:t>c</a:t>
+            </a:r>
+            <a:r>
               <a:rPr lang="en-US" dirty="0" smtClean="0">
                 <a:hlinkClick r:id="rId7"/>
               </a:rPr>
-              <a:t>genepattern.broadinstitute.org</a:t>
+              <a:t>loud.genepattern.org</a:t>
             </a:r>
             <a:endParaRPr lang="en-US" dirty="0"/>
           </a:p>
@@ -4713,8 +4719,8 @@
         </p:nvSpPr>
         <p:spPr>
           <a:xfrm>
-            <a:off x="685800" y="808038"/>
-            <a:ext cx="7696200" cy="4893647"/>
+            <a:off x="685800" y="959674"/>
+            <a:ext cx="7696200" cy="4524315"/>
           </a:xfrm>
           <a:prstGeom prst="rect">
             <a:avLst/>
@@ -4729,16 +4735,51 @@
           <a:p>
             <a:pPr algn="ctr"/>
             <a:r>
+              <a:rPr lang="en-US" sz="2400" dirty="0"/>
+              <a:t>Anthony </a:t>
+            </a:r>
+            <a:r>
+              <a:rPr lang="en-US" sz="2400" dirty="0" err="1"/>
+              <a:t>Castanza</a:t>
+            </a:r>
+            <a:r>
+              <a:rPr lang="en-US" sz="2400" dirty="0"/>
+              <a:t>– San Diego, </a:t>
+            </a:r>
+            <a:r>
               <a:rPr lang="en-US" sz="2400" dirty="0" smtClean="0"/>
-              <a:t>Peter </a:t>
+              <a:t>CA</a:t>
+            </a:r>
+            <a:endParaRPr lang="en-US" sz="2400" dirty="0" smtClean="0"/>
+          </a:p>
+          <a:p>
+            <a:pPr algn="ctr"/>
+            <a:r>
+              <a:rPr lang="en-US" sz="2400" dirty="0" smtClean="0"/>
+              <a:t>David </a:t>
             </a:r>
             <a:r>
               <a:rPr lang="en-US" sz="2400" dirty="0" err="1" smtClean="0"/>
-              <a:t>Carr</a:t>
+              <a:t>Eby</a:t>
             </a:r>
             <a:r>
               <a:rPr lang="en-US" sz="2400" dirty="0" smtClean="0"/>
-              <a:t> – </a:t>
+              <a:t> - </a:t>
+            </a:r>
+            <a:r>
+              <a:rPr lang="en-US" sz="2400" dirty="0" smtClean="0">
+                <a:solidFill>
+                  <a:schemeClr val="accent2"/>
+                </a:solidFill>
+              </a:rPr>
+              <a:t>Japan</a:t>
+            </a:r>
+          </a:p>
+          <a:p>
+            <a:pPr algn="ctr"/>
+            <a:r>
+              <a:rPr lang="en-US" sz="2400" dirty="0" smtClean="0"/>
+              <a:t>Barbara Hill – </a:t>
             </a:r>
             <a:r>
               <a:rPr lang="en-US" sz="2400" dirty="0" smtClean="0">
@@ -4752,44 +4793,6 @@
           <a:p>
             <a:pPr algn="ctr"/>
             <a:r>
-              <a:rPr lang="en-US" sz="2400" dirty="0" smtClean="0"/>
-              <a:t>David </a:t>
-            </a:r>
-            <a:r>
-              <a:rPr lang="en-US" sz="2400" dirty="0" err="1" smtClean="0"/>
-              <a:t>Eby</a:t>
-            </a:r>
-            <a:r>
-              <a:rPr lang="en-US" sz="2400" dirty="0" smtClean="0"/>
-              <a:t> - </a:t>
-            </a:r>
-            <a:r>
-              <a:rPr lang="en-US" sz="2400" dirty="0" smtClean="0">
-                <a:solidFill>
-                  <a:schemeClr val="accent2"/>
-                </a:solidFill>
-              </a:rPr>
-              <a:t>Japan</a:t>
-            </a:r>
-          </a:p>
-          <a:p>
-            <a:pPr algn="ctr"/>
-            <a:r>
-              <a:rPr lang="en-US" sz="2400" dirty="0" smtClean="0"/>
-              <a:t>Barbara Hill – </a:t>
-            </a:r>
-            <a:r>
-              <a:rPr lang="en-US" sz="2400" dirty="0" smtClean="0">
-                <a:solidFill>
-                  <a:schemeClr val="tx2"/>
-                </a:solidFill>
-              </a:rPr>
-              <a:t>Cambridge, MA</a:t>
-            </a:r>
-          </a:p>
-          <a:p>
-            <a:pPr algn="ctr"/>
-            <a:r>
               <a:rPr lang="en-US" sz="2400" dirty="0"/>
               <a:t>Edwin Juarez – San Diego, </a:t>
             </a:r>
@@ -4803,29 +4806,6 @@
             <a:r>
               <a:rPr lang="en-US" sz="2400" dirty="0" smtClean="0"/>
               <a:t>Forrest Kim – San Diego, CA</a:t>
-            </a:r>
-          </a:p>
-          <a:p>
-            <a:pPr algn="ctr"/>
-            <a:r>
-              <a:rPr lang="en-US" sz="2400" dirty="0"/>
-              <a:t>Arthur </a:t>
-            </a:r>
-            <a:r>
-              <a:rPr lang="en-US" sz="2400" dirty="0" err="1" smtClean="0"/>
-              <a:t>Liberzon</a:t>
-            </a:r>
-            <a:r>
-              <a:rPr lang="en-US" sz="2400" dirty="0" smtClean="0"/>
-              <a:t> – </a:t>
-            </a:r>
-            <a:r>
-              <a:rPr lang="en-US" sz="2400" dirty="0" smtClean="0">
-                <a:solidFill>
-                  <a:schemeClr val="tx2"/>
-                </a:solidFill>
-              </a:rPr>
-              <a:t>Cambridge, MA</a:t>
             </a:r>
           </a:p>
           <a:p>
@@ -5251,14 +5231,14 @@
       </p:sp>
       <p:sp>
         <p:nvSpPr>
-          <p:cNvPr id="4" name="TextBox 3"/>
+          <p:cNvPr id="8" name="TextBox 7"/>
           <p:cNvSpPr txBox="1"/>
           <p:nvPr/>
         </p:nvSpPr>
         <p:spPr>
           <a:xfrm>
-            <a:off x="838200" y="4800600"/>
-            <a:ext cx="7086600" cy="369332"/>
+            <a:off x="5255510" y="4432719"/>
+            <a:ext cx="2057400" cy="369332"/>
           </a:xfrm>
           <a:prstGeom prst="rect">
             <a:avLst/>
@@ -5273,22 +5253,26 @@
           <a:p>
             <a:r>
               <a:rPr lang="en-US" dirty="0" smtClean="0"/>
-              <a:t> </a:t>
-            </a:r>
-            <a:endParaRPr lang="en-US" dirty="0"/>
+              <a:t>@</a:t>
+            </a:r>
+            <a:r>
+              <a:rPr lang="en-US" dirty="0" err="1" smtClean="0"/>
+              <a:t>GenePattern</a:t>
+            </a:r>
+            <a:endParaRPr lang="en-US" dirty="0" smtClean="0"/>
           </a:p>
         </p:txBody>
       </p:sp>
       <p:pic>
         <p:nvPicPr>
-          <p:cNvPr id="5" name="Picture 4"/>
+          <p:cNvPr id="9" name="Picture 8"/>
           <p:cNvPicPr>
             <a:picLocks noChangeAspect="1"/>
           </p:cNvPicPr>
           <p:nvPr/>
         </p:nvPicPr>
         <p:blipFill>
-          <a:blip r:embed="rId5">
+          <a:blip r:embed="rId5" cstate="print">
             <a:extLst>
               <a:ext uri="{28A0092B-C50C-407E-A947-70E740481C1C}">
                 <a14:useLocalDpi xmlns:a14="http://schemas.microsoft.com/office/drawing/2010/main" val="0"/>
@@ -5301,34 +5285,24 @@
         </p:blipFill>
         <p:spPr>
           <a:xfrm>
-            <a:off x="4343400" y="4379804"/>
-            <a:ext cx="444444" cy="444444"/>
+            <a:off x="2971127" y="4400881"/>
+            <a:ext cx="457200" cy="457200"/>
           </a:xfrm>
           <a:prstGeom prst="rect">
             <a:avLst/>
           </a:prstGeom>
-          <a:ln>
-            <a:noFill/>
-          </a:ln>
-          <a:effectLst>
-            <a:outerShdw blurRad="292100" dist="139700" dir="2700000" algn="tl" rotWithShape="0">
-              <a:srgbClr val="333333">
-                <a:alpha val="65000"/>
-              </a:srgbClr>
-            </a:outerShdw>
-          </a:effectLst>
         </p:spPr>
       </p:pic>
       <p:pic>
         <p:nvPicPr>
-          <p:cNvPr id="6" name="Picture 5"/>
+          <p:cNvPr id="10" name="Picture 9"/>
           <p:cNvPicPr>
             <a:picLocks noChangeAspect="1"/>
           </p:cNvPicPr>
           <p:nvPr/>
         </p:nvPicPr>
         <p:blipFill>
-          <a:blip r:embed="rId6">
+          <a:blip r:embed="rId6" cstate="print">
             <a:extLst>
               <a:ext uri="{28A0092B-C50C-407E-A947-70E740481C1C}">
                 <a14:useLocalDpi xmlns:a14="http://schemas.microsoft.com/office/drawing/2010/main" val="0"/>
@@ -5341,34 +5315,24 @@
         </p:blipFill>
         <p:spPr>
           <a:xfrm>
-            <a:off x="2806644" y="4379804"/>
-            <a:ext cx="444444" cy="444444"/>
+            <a:off x="4494498" y="4388785"/>
+            <a:ext cx="457514" cy="457200"/>
           </a:xfrm>
           <a:prstGeom prst="rect">
             <a:avLst/>
           </a:prstGeom>
-          <a:ln>
-            <a:noFill/>
-          </a:ln>
-          <a:effectLst>
-            <a:outerShdw blurRad="292100" dist="139700" dir="2700000" algn="tl" rotWithShape="0">
-              <a:srgbClr val="333333">
-                <a:alpha val="65000"/>
-              </a:srgbClr>
-            </a:outerShdw>
-          </a:effectLst>
         </p:spPr>
       </p:pic>
       <p:pic>
         <p:nvPicPr>
-          <p:cNvPr id="7" name="Picture 6"/>
+          <p:cNvPr id="11" name="Picture 10"/>
           <p:cNvPicPr>
             <a:picLocks noChangeAspect="1"/>
           </p:cNvPicPr>
           <p:nvPr/>
         </p:nvPicPr>
         <p:blipFill>
-          <a:blip r:embed="rId7">
+          <a:blip r:embed="rId7" cstate="print">
             <a:extLst>
               <a:ext uri="{28A0092B-C50C-407E-A947-70E740481C1C}">
                 <a14:useLocalDpi xmlns:a14="http://schemas.microsoft.com/office/drawing/2010/main" val="0"/>
@@ -5381,58 +5345,14 @@
         </p:blipFill>
         <p:spPr>
           <a:xfrm>
-            <a:off x="3587778" y="4374905"/>
-            <a:ext cx="444444" cy="444444"/>
+            <a:off x="3731825" y="4400881"/>
+            <a:ext cx="459175" cy="457200"/>
           </a:xfrm>
           <a:prstGeom prst="rect">
             <a:avLst/>
           </a:prstGeom>
-          <a:ln>
-            <a:noFill/>
-          </a:ln>
-          <a:effectLst>
-            <a:outerShdw blurRad="292100" dist="139700" dir="2700000" algn="tl" rotWithShape="0">
-              <a:srgbClr val="333333">
-                <a:alpha val="65000"/>
-              </a:srgbClr>
-            </a:outerShdw>
-          </a:effectLst>
         </p:spPr>
       </p:pic>
-      <p:sp>
-        <p:nvSpPr>
-          <p:cNvPr id="8" name="TextBox 7"/>
-          <p:cNvSpPr txBox="1"/>
-          <p:nvPr/>
-        </p:nvSpPr>
-        <p:spPr>
-          <a:xfrm>
-            <a:off x="4953000" y="4417360"/>
-            <a:ext cx="2057400" cy="369332"/>
-          </a:xfrm>
-          <a:prstGeom prst="rect">
-            <a:avLst/>
-          </a:prstGeom>
-          <a:noFill/>
-        </p:spPr>
-        <p:txBody>
-          <a:bodyPr wrap="square" rtlCol="0">
-            <a:spAutoFit/>
-          </a:bodyPr>
-          <a:lstStyle/>
-          <a:p>
-            <a:r>
-              <a:rPr lang="en-US" dirty="0" smtClean="0"/>
-              <a:t>@</a:t>
-            </a:r>
-            <a:r>
-              <a:rPr lang="en-US" dirty="0" err="1" smtClean="0"/>
-              <a:t>GenePattern</a:t>
-            </a:r>
-            <a:endParaRPr lang="en-US" dirty="0" smtClean="0"/>
-          </a:p>
-        </p:txBody>
-      </p:sp>
     </p:spTree>
     <p:extLst>
       <p:ext uri="{BB962C8B-B14F-4D97-AF65-F5344CB8AC3E}">

--- a/BU_MolBio_RNAseq_in_GP_workshop/slides/2019-04-04_07_GPWorkshop_Closing.pptx
+++ b/BU_MolBio_RNAseq_in_GP_workshop/slides/2019-04-04_07_GPWorkshop_Closing.pptx
@@ -213,7 +213,7 @@
           <a:p>
             <a:fld id="{CB8DDA02-F0B5-43F3-A05C-22F18A98662D}" type="datetimeFigureOut">
               <a:rPr lang="en-US" smtClean="0"/>
-              <a:t>4/1/2019</a:t>
+              <a:t>4/4/2019</a:t>
             </a:fld>
             <a:endParaRPr lang="en-US"/>
           </a:p>
@@ -781,7 +781,7 @@
           <a:p>
             <a:fld id="{E3D7C9BC-8C13-4201-8978-5F07EB83666A}" type="datetimeFigureOut">
               <a:rPr lang="en-US" smtClean="0"/>
-              <a:t>4/1/2019</a:t>
+              <a:t>4/4/2019</a:t>
             </a:fld>
             <a:endParaRPr lang="en-US"/>
           </a:p>
@@ -951,7 +951,7 @@
           <a:p>
             <a:fld id="{E3D7C9BC-8C13-4201-8978-5F07EB83666A}" type="datetimeFigureOut">
               <a:rPr lang="en-US" smtClean="0"/>
-              <a:t>4/1/2019</a:t>
+              <a:t>4/4/2019</a:t>
             </a:fld>
             <a:endParaRPr lang="en-US"/>
           </a:p>
@@ -1131,7 +1131,7 @@
           <a:p>
             <a:fld id="{E3D7C9BC-8C13-4201-8978-5F07EB83666A}" type="datetimeFigureOut">
               <a:rPr lang="en-US" smtClean="0"/>
-              <a:t>4/1/2019</a:t>
+              <a:t>4/4/2019</a:t>
             </a:fld>
             <a:endParaRPr lang="en-US"/>
           </a:p>
@@ -1779,7 +1779,7 @@
           <a:p>
             <a:fld id="{E3D7C9BC-8C13-4201-8978-5F07EB83666A}" type="datetimeFigureOut">
               <a:rPr lang="en-US" smtClean="0"/>
-              <a:t>4/1/2019</a:t>
+              <a:t>4/4/2019</a:t>
             </a:fld>
             <a:endParaRPr lang="en-US"/>
           </a:p>
@@ -2025,7 +2025,7 @@
           <a:p>
             <a:fld id="{E3D7C9BC-8C13-4201-8978-5F07EB83666A}" type="datetimeFigureOut">
               <a:rPr lang="en-US" smtClean="0"/>
-              <a:t>4/1/2019</a:t>
+              <a:t>4/4/2019</a:t>
             </a:fld>
             <a:endParaRPr lang="en-US"/>
           </a:p>
@@ -2313,7 +2313,7 @@
           <a:p>
             <a:fld id="{E3D7C9BC-8C13-4201-8978-5F07EB83666A}" type="datetimeFigureOut">
               <a:rPr lang="en-US" smtClean="0"/>
-              <a:t>4/1/2019</a:t>
+              <a:t>4/4/2019</a:t>
             </a:fld>
             <a:endParaRPr lang="en-US"/>
           </a:p>
@@ -2735,7 +2735,7 @@
           <a:p>
             <a:fld id="{E3D7C9BC-8C13-4201-8978-5F07EB83666A}" type="datetimeFigureOut">
               <a:rPr lang="en-US" smtClean="0"/>
-              <a:t>4/1/2019</a:t>
+              <a:t>4/4/2019</a:t>
             </a:fld>
             <a:endParaRPr lang="en-US"/>
           </a:p>
@@ -2853,7 +2853,7 @@
           <a:p>
             <a:fld id="{E3D7C9BC-8C13-4201-8978-5F07EB83666A}" type="datetimeFigureOut">
               <a:rPr lang="en-US" smtClean="0"/>
-              <a:t>4/1/2019</a:t>
+              <a:t>4/4/2019</a:t>
             </a:fld>
             <a:endParaRPr lang="en-US"/>
           </a:p>
@@ -2948,7 +2948,7 @@
           <a:p>
             <a:fld id="{E3D7C9BC-8C13-4201-8978-5F07EB83666A}" type="datetimeFigureOut">
               <a:rPr lang="en-US" smtClean="0"/>
-              <a:t>4/1/2019</a:t>
+              <a:t>4/4/2019</a:t>
             </a:fld>
             <a:endParaRPr lang="en-US"/>
           </a:p>
@@ -3225,7 +3225,7 @@
           <a:p>
             <a:fld id="{E3D7C9BC-8C13-4201-8978-5F07EB83666A}" type="datetimeFigureOut">
               <a:rPr lang="en-US" smtClean="0"/>
-              <a:t>4/1/2019</a:t>
+              <a:t>4/4/2019</a:t>
             </a:fld>
             <a:endParaRPr lang="en-US"/>
           </a:p>
@@ -3478,7 +3478,7 @@
           <a:p>
             <a:fld id="{E3D7C9BC-8C13-4201-8978-5F07EB83666A}" type="datetimeFigureOut">
               <a:rPr lang="en-US" smtClean="0"/>
-              <a:t>4/1/2019</a:t>
+              <a:t>4/4/2019</a:t>
             </a:fld>
             <a:endParaRPr lang="en-US"/>
           </a:p>
@@ -3691,7 +3691,7 @@
           <a:p>
             <a:fld id="{E3D7C9BC-8C13-4201-8978-5F07EB83666A}" type="datetimeFigureOut">
               <a:rPr lang="en-US" smtClean="0"/>
-              <a:t>4/1/2019</a:t>
+              <a:t>4/4/2019</a:t>
             </a:fld>
             <a:endParaRPr lang="en-US"/>
           </a:p>
@@ -4258,17 +4258,23 @@
           <a:lstStyle/>
           <a:p>
             <a:r>
-              <a:rPr lang="en-US" dirty="0" err="1" smtClean="0"/>
-              <a:t>GenomeSpace</a:t>
+              <a:rPr lang="en-US" dirty="0" smtClean="0"/>
+              <a:t>Notebook website</a:t>
             </a:r>
             <a:endParaRPr lang="en-US" dirty="0" smtClean="0"/>
           </a:p>
           <a:p>
+            <a:r>
+              <a:rPr lang="en-US" dirty="0">
+                <a:hlinkClick r:id="rId3"/>
+              </a:rPr>
+              <a:t>g</a:t>
+            </a:r>
             <a:r>
               <a:rPr lang="en-US" dirty="0" smtClean="0">
                 <a:hlinkClick r:id="rId3"/>
               </a:rPr>
-              <a:t>genomespace.org</a:t>
+              <a:t>enepattern-notebook.org</a:t>
             </a:r>
             <a:endParaRPr lang="en-US" dirty="0"/>
           </a:p>
@@ -4750,7 +4756,6 @@
               <a:rPr lang="en-US" sz="2400" dirty="0" smtClean="0"/>
               <a:t>CA</a:t>
             </a:r>
-            <a:endParaRPr lang="en-US" sz="2400" dirty="0" smtClean="0"/>
           </a:p>
           <a:p>
             <a:pPr algn="ctr"/>

--- a/BU_MolBio_RNAseq_in_GP_workshop/slides/2019-04-04_07_GPWorkshop_Closing.pptx
+++ b/BU_MolBio_RNAseq_in_GP_workshop/slides/2019-04-04_07_GPWorkshop_Closing.pptx
@@ -213,7 +213,7 @@
           <a:p>
             <a:fld id="{CB8DDA02-F0B5-43F3-A05C-22F18A98662D}" type="datetimeFigureOut">
               <a:rPr lang="en-US" smtClean="0"/>
-              <a:t>4/4/2019</a:t>
+              <a:t>4/12/2019</a:t>
             </a:fld>
             <a:endParaRPr lang="en-US"/>
           </a:p>
@@ -781,7 +781,7 @@
           <a:p>
             <a:fld id="{E3D7C9BC-8C13-4201-8978-5F07EB83666A}" type="datetimeFigureOut">
               <a:rPr lang="en-US" smtClean="0"/>
-              <a:t>4/4/2019</a:t>
+              <a:t>4/12/2019</a:t>
             </a:fld>
             <a:endParaRPr lang="en-US"/>
           </a:p>
@@ -951,7 +951,7 @@
           <a:p>
             <a:fld id="{E3D7C9BC-8C13-4201-8978-5F07EB83666A}" type="datetimeFigureOut">
               <a:rPr lang="en-US" smtClean="0"/>
-              <a:t>4/4/2019</a:t>
+              <a:t>4/12/2019</a:t>
             </a:fld>
             <a:endParaRPr lang="en-US"/>
           </a:p>
@@ -1131,7 +1131,7 @@
           <a:p>
             <a:fld id="{E3D7C9BC-8C13-4201-8978-5F07EB83666A}" type="datetimeFigureOut">
               <a:rPr lang="en-US" smtClean="0"/>
-              <a:t>4/4/2019</a:t>
+              <a:t>4/12/2019</a:t>
             </a:fld>
             <a:endParaRPr lang="en-US"/>
           </a:p>
@@ -1779,7 +1779,7 @@
           <a:p>
             <a:fld id="{E3D7C9BC-8C13-4201-8978-5F07EB83666A}" type="datetimeFigureOut">
               <a:rPr lang="en-US" smtClean="0"/>
-              <a:t>4/4/2019</a:t>
+              <a:t>4/12/2019</a:t>
             </a:fld>
             <a:endParaRPr lang="en-US"/>
           </a:p>
@@ -2025,7 +2025,7 @@
           <a:p>
             <a:fld id="{E3D7C9BC-8C13-4201-8978-5F07EB83666A}" type="datetimeFigureOut">
               <a:rPr lang="en-US" smtClean="0"/>
-              <a:t>4/4/2019</a:t>
+              <a:t>4/12/2019</a:t>
             </a:fld>
             <a:endParaRPr lang="en-US"/>
           </a:p>
@@ -2313,7 +2313,7 @@
           <a:p>
             <a:fld id="{E3D7C9BC-8C13-4201-8978-5F07EB83666A}" type="datetimeFigureOut">
               <a:rPr lang="en-US" smtClean="0"/>
-              <a:t>4/4/2019</a:t>
+              <a:t>4/12/2019</a:t>
             </a:fld>
             <a:endParaRPr lang="en-US"/>
           </a:p>
@@ -2735,7 +2735,7 @@
           <a:p>
             <a:fld id="{E3D7C9BC-8C13-4201-8978-5F07EB83666A}" type="datetimeFigureOut">
               <a:rPr lang="en-US" smtClean="0"/>
-              <a:t>4/4/2019</a:t>
+              <a:t>4/12/2019</a:t>
             </a:fld>
             <a:endParaRPr lang="en-US"/>
           </a:p>
@@ -2853,7 +2853,7 @@
           <a:p>
             <a:fld id="{E3D7C9BC-8C13-4201-8978-5F07EB83666A}" type="datetimeFigureOut">
               <a:rPr lang="en-US" smtClean="0"/>
-              <a:t>4/4/2019</a:t>
+              <a:t>4/12/2019</a:t>
             </a:fld>
             <a:endParaRPr lang="en-US"/>
           </a:p>
@@ -2948,7 +2948,7 @@
           <a:p>
             <a:fld id="{E3D7C9BC-8C13-4201-8978-5F07EB83666A}" type="datetimeFigureOut">
               <a:rPr lang="en-US" smtClean="0"/>
-              <a:t>4/4/2019</a:t>
+              <a:t>4/12/2019</a:t>
             </a:fld>
             <a:endParaRPr lang="en-US"/>
           </a:p>
@@ -3225,7 +3225,7 @@
           <a:p>
             <a:fld id="{E3D7C9BC-8C13-4201-8978-5F07EB83666A}" type="datetimeFigureOut">
               <a:rPr lang="en-US" smtClean="0"/>
-              <a:t>4/4/2019</a:t>
+              <a:t>4/12/2019</a:t>
             </a:fld>
             <a:endParaRPr lang="en-US"/>
           </a:p>
@@ -3478,7 +3478,7 @@
           <a:p>
             <a:fld id="{E3D7C9BC-8C13-4201-8978-5F07EB83666A}" type="datetimeFigureOut">
               <a:rPr lang="en-US" smtClean="0"/>
-              <a:t>4/4/2019</a:t>
+              <a:t>4/12/2019</a:t>
             </a:fld>
             <a:endParaRPr lang="en-US"/>
           </a:p>
@@ -3691,7 +3691,7 @@
           <a:p>
             <a:fld id="{E3D7C9BC-8C13-4201-8978-5F07EB83666A}" type="datetimeFigureOut">
               <a:rPr lang="en-US" smtClean="0"/>
-              <a:t>4/4/2019</a:t>
+              <a:t>4/12/2019</a:t>
             </a:fld>
             <a:endParaRPr lang="en-US"/>
           </a:p>
@@ -4261,7 +4261,6 @@
               <a:rPr lang="en-US" dirty="0" smtClean="0"/>
               <a:t>Notebook website</a:t>
             </a:r>
-            <a:endParaRPr lang="en-US" dirty="0" smtClean="0"/>
           </a:p>
           <a:p>
             <a:r>
